--- a/00257104+00257124.pptx
+++ b/00257104+00257124.pptx
@@ -23,34 +23,34 @@
   <p:notesSz cx="6858000" cy="9144000"/>
   <p:embeddedFontLst>
     <p:embeddedFont>
-      <p:font typeface="Microsoft JhengHei" panose="020B0604030504040204" pitchFamily="34" charset="-120"/>
+      <p:font typeface="Microsoft JhengHei" pitchFamily="34" charset="-120"/>
       <p:regular r:id="rId13"/>
       <p:bold r:id="rId14"/>
     </p:embeddedFont>
     <p:embeddedFont>
-      <p:font typeface="Georgia" panose="02040502050405020303" pitchFamily="18" charset="0"/>
+      <p:font typeface="Georgia" pitchFamily="18" charset="0"/>
       <p:regular r:id="rId15"/>
       <p:bold r:id="rId16"/>
       <p:italic r:id="rId17"/>
       <p:boldItalic r:id="rId18"/>
     </p:embeddedFont>
     <p:embeddedFont>
-      <p:font typeface="Corbel" panose="020B0503020204020204" pitchFamily="34" charset="0"/>
+      <p:font typeface="Wingdings 2" pitchFamily="18" charset="2"/>
       <p:regular r:id="rId19"/>
-      <p:bold r:id="rId20"/>
-      <p:italic r:id="rId21"/>
-      <p:boldItalic r:id="rId22"/>
     </p:embeddedFont>
     <p:embeddedFont>
-      <p:font typeface="Roboto" panose="020B0604020202020204" charset="0"/>
-      <p:regular r:id="rId23"/>
-      <p:bold r:id="rId24"/>
-      <p:italic r:id="rId25"/>
-      <p:boldItalic r:id="rId26"/>
+      <p:font typeface="Corbel" pitchFamily="34" charset="0"/>
+      <p:regular r:id="rId20"/>
+      <p:bold r:id="rId21"/>
+      <p:italic r:id="rId22"/>
+      <p:boldItalic r:id="rId23"/>
     </p:embeddedFont>
     <p:embeddedFont>
-      <p:font typeface="Wingdings 2" panose="05020102010507070707" pitchFamily="18" charset="2"/>
-      <p:regular r:id="rId27"/>
+      <p:font typeface="Roboto" charset="0"/>
+      <p:regular r:id="rId24"/>
+      <p:bold r:id="rId25"/>
+      <p:italic r:id="rId26"/>
+      <p:boldItalic r:id="rId27"/>
     </p:embeddedFont>
   </p:embeddedFontLst>
   <p:defaultTextStyle>
@@ -420,7 +420,7 @@
     </p:spTree>
     <p:extLst>
       <p:ext uri="{BB962C8B-B14F-4D97-AF65-F5344CB8AC3E}">
-        <p14:creationId xmlns:p14="http://schemas.microsoft.com/office/powerpoint/2010/main" val="4028448695"/>
+        <p14:creationId xmlns:p14="http://schemas.microsoft.com/office/powerpoint/2010/main" xmlns="" val="4028448695"/>
       </p:ext>
     </p:extLst>
   </p:cSld>
@@ -2189,7 +2189,7 @@
             <a:fld id="{0D0EC791-D078-4631-9937-E8318C63790B}" type="datetimeFigureOut">
               <a:rPr lang="en-US" smtClean="0"/>
               <a:pPr/>
-              <a:t>6/17/2016</a:t>
+              <a:t>6/26/2016</a:t>
             </a:fld>
             <a:endParaRPr lang="en-US"/>
           </a:p>
@@ -2402,7 +2402,7 @@
             <a:fld id="{0D0EC791-D078-4631-9937-E8318C63790B}" type="datetimeFigureOut">
               <a:rPr lang="en-US" smtClean="0"/>
               <a:pPr/>
-              <a:t>6/17/2016</a:t>
+              <a:t>6/26/2016</a:t>
             </a:fld>
             <a:endParaRPr lang="en-US"/>
           </a:p>
@@ -2607,7 +2607,7 @@
             <a:fld id="{0D0EC791-D078-4631-9937-E8318C63790B}" type="datetimeFigureOut">
               <a:rPr lang="en-US" smtClean="0"/>
               <a:pPr/>
-              <a:t>6/17/2016</a:t>
+              <a:t>6/26/2016</a:t>
             </a:fld>
             <a:endParaRPr lang="en-US"/>
           </a:p>
@@ -3036,7 +3036,7 @@
             <a:fld id="{0D0EC791-D078-4631-9937-E8318C63790B}" type="datetimeFigureOut">
               <a:rPr lang="en-US" smtClean="0"/>
               <a:pPr/>
-              <a:t>6/17/2016</a:t>
+              <a:t>6/26/2016</a:t>
             </a:fld>
             <a:endParaRPr lang="en-US"/>
           </a:p>
@@ -3287,7 +3287,7 @@
             <a:fld id="{0D0EC791-D078-4631-9937-E8318C63790B}" type="datetimeFigureOut">
               <a:rPr lang="en-US" smtClean="0"/>
               <a:pPr/>
-              <a:t>6/17/2016</a:t>
+              <a:t>6/26/2016</a:t>
             </a:fld>
             <a:endParaRPr lang="en-US"/>
           </a:p>
@@ -3576,7 +3576,7 @@
             <a:fld id="{0D0EC791-D078-4631-9937-E8318C63790B}" type="datetimeFigureOut">
               <a:rPr lang="en-US" smtClean="0"/>
               <a:pPr/>
-              <a:t>6/17/2016</a:t>
+              <a:t>6/26/2016</a:t>
             </a:fld>
             <a:endParaRPr lang="en-US"/>
           </a:p>
@@ -4010,7 +4010,7 @@
             <a:fld id="{0D0EC791-D078-4631-9937-E8318C63790B}" type="datetimeFigureOut">
               <a:rPr lang="en-US" smtClean="0"/>
               <a:pPr/>
-              <a:t>6/17/2016</a:t>
+              <a:t>6/26/2016</a:t>
             </a:fld>
             <a:endParaRPr lang="en-US"/>
           </a:p>
@@ -4171,7 +4171,7 @@
             <a:fld id="{0D0EC791-D078-4631-9937-E8318C63790B}" type="datetimeFigureOut">
               <a:rPr lang="en-US" smtClean="0"/>
               <a:pPr/>
-              <a:t>6/17/2016</a:t>
+              <a:t>6/26/2016</a:t>
             </a:fld>
             <a:endParaRPr lang="en-US"/>
           </a:p>
@@ -4301,7 +4301,7 @@
             <a:fld id="{0D0EC791-D078-4631-9937-E8318C63790B}" type="datetimeFigureOut">
               <a:rPr lang="en-US" smtClean="0"/>
               <a:pPr/>
-              <a:t>6/17/2016</a:t>
+              <a:t>6/26/2016</a:t>
             </a:fld>
             <a:endParaRPr lang="en-US"/>
           </a:p>
@@ -4576,7 +4576,7 @@
             <a:fld id="{0D0EC791-D078-4631-9937-E8318C63790B}" type="datetimeFigureOut">
               <a:rPr lang="en-US" smtClean="0"/>
               <a:pPr/>
-              <a:t>6/17/2016</a:t>
+              <a:t>6/26/2016</a:t>
             </a:fld>
             <a:endParaRPr lang="en-US"/>
           </a:p>
@@ -4850,7 +4850,7 @@
             <a:fld id="{0D0EC791-D078-4631-9937-E8318C63790B}" type="datetimeFigureOut">
               <a:rPr lang="en-US" smtClean="0"/>
               <a:pPr/>
-              <a:t>6/17/2016</a:t>
+              <a:t>6/26/2016</a:t>
             </a:fld>
             <a:endParaRPr lang="en-US"/>
           </a:p>
@@ -5704,7 +5704,7 @@
             <a:fld id="{0D0EC791-D078-4631-9937-E8318C63790B}" type="datetimeFigureOut">
               <a:rPr lang="en-US" smtClean="0"/>
               <a:pPr/>
-              <a:t>6/17/2016</a:t>
+              <a:t>6/26/2016</a:t>
             </a:fld>
             <a:endParaRPr lang="en-US" dirty="0"/>
           </a:p>
@@ -9080,26 +9080,7 @@
                 <a:cs typeface="Microsoft JhengHei"/>
                 <a:sym typeface="Microsoft JhengHei"/>
               </a:rPr>
-              <a:t>以滑鼠拖曳方式來</a:t>
-            </a:r>
-            <a:r>
-              <a:rPr lang="zh-TW" altLang="en-US" sz="2400" b="1" dirty="0" smtClean="0">
-                <a:solidFill>
-                  <a:srgbClr val="006666"/>
-                </a:solidFill>
-                <a:effectLst>
-                  <a:outerShdw blurRad="38100" dist="38100" dir="2700000" algn="tl">
-                    <a:srgbClr val="000000">
-                      <a:alpha val="43137"/>
-                    </a:srgbClr>
-                  </a:outerShdw>
-                </a:effectLst>
-                <a:latin typeface="微軟正黑體" pitchFamily="34" charset="-120"/>
-                <a:ea typeface="微軟正黑體" pitchFamily="34" charset="-120"/>
-                <a:cs typeface="Microsoft JhengHei"/>
-                <a:sym typeface="Microsoft JhengHei"/>
-              </a:rPr>
-              <a:t>旋轉</a:t>
+              <a:t>以滑鼠拖曳方式來旋轉</a:t>
             </a:r>
             <a:r>
               <a:rPr lang="zh-TW" altLang="en-US" sz="2400" b="1" dirty="0">
@@ -9200,26 +9181,7 @@
                 <a:cs typeface="Microsoft JhengHei"/>
                 <a:sym typeface="Microsoft JhengHei"/>
               </a:rPr>
-              <a:t>蛇</a:t>
-            </a:r>
-            <a:r>
-              <a:rPr lang="zh-TW" altLang="en-US" sz="2400" b="1" dirty="0" smtClean="0">
-                <a:solidFill>
-                  <a:srgbClr val="006666"/>
-                </a:solidFill>
-                <a:effectLst>
-                  <a:outerShdw blurRad="38100" dist="38100" dir="2700000" algn="tl">
-                    <a:srgbClr val="000000">
-                      <a:alpha val="43137"/>
-                    </a:srgbClr>
-                  </a:outerShdw>
-                </a:effectLst>
-                <a:latin typeface="微軟正黑體" pitchFamily="34" charset="-120"/>
-                <a:ea typeface="微軟正黑體" pitchFamily="34" charset="-120"/>
-                <a:cs typeface="Microsoft JhengHei"/>
-                <a:sym typeface="Microsoft JhengHei"/>
-              </a:rPr>
-              <a:t>頭</a:t>
+              <a:t>蛇頭</a:t>
             </a:r>
             <a:r>
               <a:rPr lang="zh-TW" altLang="en-US" sz="2400" b="1" dirty="0">
@@ -9257,26 +9219,7 @@
                 <a:cs typeface="Microsoft JhengHei"/>
                 <a:sym typeface="Microsoft JhengHei"/>
               </a:rPr>
-              <a:t>則魯蛇喪命，遊戲結束</a:t>
-            </a:r>
-            <a:r>
-              <a:rPr lang="zh-TW" altLang="en-US" sz="2400" b="1" dirty="0" smtClean="0">
-                <a:solidFill>
-                  <a:srgbClr val="006666"/>
-                </a:solidFill>
-                <a:effectLst>
-                  <a:outerShdw blurRad="38100" dist="38100" dir="2700000" algn="tl">
-                    <a:srgbClr val="000000">
-                      <a:alpha val="43137"/>
-                    </a:srgbClr>
-                  </a:outerShdw>
-                </a:effectLst>
-                <a:latin typeface="微軟正黑體" pitchFamily="34" charset="-120"/>
-                <a:ea typeface="微軟正黑體" pitchFamily="34" charset="-120"/>
-                <a:cs typeface="Microsoft JhengHei"/>
-                <a:sym typeface="Microsoft JhengHei"/>
-              </a:rPr>
-              <a:t>。</a:t>
+              <a:t>則魯蛇喪命，遊戲結束。</a:t>
             </a:r>
             <a:endParaRPr lang="en-US" altLang="zh-TW" sz="2400" b="1" dirty="0" smtClean="0">
               <a:solidFill>
@@ -9634,26 +9577,7 @@
                 <a:cs typeface="Microsoft JhengHei"/>
                 <a:sym typeface="Microsoft JhengHei"/>
               </a:rPr>
-              <a:t>每次</a:t>
-            </a:r>
-            <a:r>
-              <a:rPr lang="zh-TW" altLang="en-US" sz="2400" b="1" dirty="0" smtClean="0">
-                <a:solidFill>
-                  <a:srgbClr val="006666"/>
-                </a:solidFill>
-                <a:effectLst>
-                  <a:outerShdw blurRad="38100" dist="38100" dir="2700000" algn="tl">
-                    <a:srgbClr val="000000">
-                      <a:alpha val="43137"/>
-                    </a:srgbClr>
-                  </a:outerShdw>
-                </a:effectLst>
-                <a:latin typeface="微軟正黑體" pitchFamily="34" charset="-120"/>
-                <a:ea typeface="微軟正黑體" pitchFamily="34" charset="-120"/>
-                <a:cs typeface="Microsoft JhengHei"/>
-                <a:sym typeface="Microsoft JhengHei"/>
-              </a:rPr>
-              <a:t>重新讀取網頁都會隨機重新載入一首音樂。</a:t>
+              <a:t>每次重新讀取網頁都會隨機重新載入一首音樂。</a:t>
             </a:r>
             <a:endParaRPr lang="en-US" altLang="zh-TW" sz="2400" b="1" dirty="0" smtClean="0">
               <a:solidFill>
@@ -9785,26 +9709,7 @@
                 <a:cs typeface="Microsoft JhengHei"/>
                 <a:sym typeface="Microsoft JhengHei"/>
               </a:rPr>
-              <a:t>首</a:t>
-            </a:r>
-            <a:r>
-              <a:rPr lang="zh-TW" altLang="en-US" sz="2400" b="1" dirty="0" smtClean="0">
-                <a:solidFill>
-                  <a:srgbClr val="006666"/>
-                </a:solidFill>
-                <a:effectLst>
-                  <a:outerShdw blurRad="38100" dist="38100" dir="2700000" algn="tl">
-                    <a:srgbClr val="000000">
-                      <a:alpha val="43137"/>
-                    </a:srgbClr>
-                  </a:outerShdw>
-                </a:effectLst>
-                <a:latin typeface="微軟正黑體" pitchFamily="34" charset="-120"/>
-                <a:ea typeface="微軟正黑體" pitchFamily="34" charset="-120"/>
-                <a:cs typeface="Microsoft JhengHei"/>
-                <a:sym typeface="Microsoft JhengHei"/>
-              </a:rPr>
-              <a:t>音樂唷 </a:t>
+              <a:t>首音樂唷 </a:t>
             </a:r>
             <a:r>
               <a:rPr lang="en-US" altLang="zh-TW" sz="2400" b="1" dirty="0" smtClean="0">
@@ -10072,7 +9977,7 @@
           <a:blip r:embed="rId3">
             <a:extLst>
               <a:ext uri="{28A0092B-C50C-407E-A947-70E740481C1C}">
-                <a14:useLocalDpi xmlns:a14="http://schemas.microsoft.com/office/drawing/2010/main" val="0"/>
+                <a14:useLocalDpi xmlns:a14="http://schemas.microsoft.com/office/drawing/2010/main" xmlns="" val="0"/>
               </a:ext>
             </a:extLst>
           </a:blip>
@@ -10095,14 +10000,14 @@
           </a:ln>
           <a:extLst>
             <a:ext uri="{909E8E84-426E-40DD-AFC4-6F175D3DCCD1}">
-              <a14:hiddenFill xmlns:a14="http://schemas.microsoft.com/office/drawing/2010/main">
+              <a14:hiddenFill xmlns:a14="http://schemas.microsoft.com/office/drawing/2010/main" xmlns="">
                 <a:solidFill>
                   <a:schemeClr val="accent1"/>
                 </a:solidFill>
               </a14:hiddenFill>
             </a:ext>
             <a:ext uri="{91240B29-F687-4F45-9708-019B960494DF}">
-              <a14:hiddenLine xmlns:a14="http://schemas.microsoft.com/office/drawing/2010/main" w="9525">
+              <a14:hiddenLine xmlns:a14="http://schemas.microsoft.com/office/drawing/2010/main" xmlns="" w="9525">
                 <a:solidFill>
                   <a:schemeClr val="tx1"/>
                 </a:solidFill>
@@ -10641,7 +10546,7 @@
                 <a:cs typeface="Microsoft JhengHei"/>
                 <a:sym typeface="Microsoft JhengHei"/>
               </a:rPr>
-              <a:t>1. HTML5 </a:t>
+              <a:t>1.  HTML5 </a:t>
             </a:r>
           </a:p>
           <a:p>
@@ -10668,7 +10573,7 @@
                 <a:cs typeface="Microsoft JhengHei"/>
                 <a:sym typeface="Microsoft JhengHei"/>
               </a:rPr>
-              <a:t>2. CSS </a:t>
+              <a:t>2.  CSS </a:t>
             </a:r>
           </a:p>
           <a:p>
@@ -10695,7 +10600,7 @@
                 <a:cs typeface="Microsoft JhengHei"/>
                 <a:sym typeface="Microsoft JhengHei"/>
               </a:rPr>
-              <a:t>3. JavaScript </a:t>
+              <a:t>3.  JavaScript </a:t>
             </a:r>
           </a:p>
           <a:p>
@@ -10749,7 +10654,7 @@
                 <a:cs typeface="Microsoft JhengHei"/>
                 <a:sym typeface="Microsoft JhengHei"/>
               </a:rPr>
-              <a:t>4. babylon.js</a:t>
+              <a:t>4.  babylon.js</a:t>
             </a:r>
             <a:endParaRPr lang="en-US" altLang="zh-TW" sz="2400" b="1" dirty="0" smtClean="0">
               <a:solidFill>
@@ -10811,10 +10716,10 @@
                 <a:cs typeface="Microsoft JhengHei"/>
                 <a:sym typeface="Microsoft JhengHei"/>
               </a:rPr>
-              <a:t> </a:t>
-            </a:r>
-            <a:r>
-              <a:rPr lang="en-US" altLang="zh-TW" sz="2400" b="1" dirty="0" err="1" smtClean="0">
+              <a:t>  </a:t>
+            </a:r>
+            <a:r>
+              <a:rPr lang="en-US" altLang="zh-TW" sz="2400" b="1" dirty="0" smtClean="0">
                 <a:solidFill>
                   <a:srgbClr val="006666"/>
                 </a:solidFill>
@@ -10830,26 +10735,7 @@
                 <a:cs typeface="Microsoft JhengHei"/>
                 <a:sym typeface="Microsoft JhengHei"/>
               </a:rPr>
-              <a:t>Facebook</a:t>
-            </a:r>
-            <a:r>
-              <a:rPr lang="en-US" altLang="zh-TW" sz="2400" b="1" dirty="0" smtClean="0">
-                <a:solidFill>
-                  <a:srgbClr val="006666"/>
-                </a:solidFill>
-                <a:effectLst>
-                  <a:outerShdw blurRad="38100" dist="38100" dir="2700000" algn="tl">
-                    <a:srgbClr val="000000">
-                      <a:alpha val="43137"/>
-                    </a:srgbClr>
-                  </a:outerShdw>
-                </a:effectLst>
-                <a:latin typeface="微軟正黑體" pitchFamily="34" charset="-120"/>
-                <a:ea typeface="微軟正黑體" pitchFamily="34" charset="-120"/>
-                <a:cs typeface="Microsoft JhengHei"/>
-                <a:sym typeface="Microsoft JhengHei"/>
-              </a:rPr>
-              <a:t> API</a:t>
+              <a:t>Facebook API</a:t>
             </a:r>
             <a:endParaRPr lang="zh-TW" altLang="en-US" sz="2400" b="1" dirty="0" smtClean="0">
               <a:solidFill>
@@ -10894,6 +10780,103 @@
               </a:rPr>
               <a:t>6.  jQuery</a:t>
             </a:r>
+            <a:endParaRPr lang="en-US" altLang="zh-TW" sz="2400" b="1" dirty="0">
+              <a:solidFill>
+                <a:srgbClr val="006666"/>
+              </a:solidFill>
+              <a:effectLst>
+                <a:outerShdw blurRad="38100" dist="38100" dir="2700000" algn="tl">
+                  <a:srgbClr val="000000">
+                    <a:alpha val="43137"/>
+                  </a:srgbClr>
+                </a:outerShdw>
+              </a:effectLst>
+              <a:latin typeface="微軟正黑體" pitchFamily="34" charset="-120"/>
+              <a:ea typeface="微軟正黑體" pitchFamily="34" charset="-120"/>
+              <a:cs typeface="Microsoft JhengHei"/>
+              <a:sym typeface="Microsoft JhengHei"/>
+            </a:endParaRPr>
+          </a:p>
+          <a:p>
+            <a:pPr lvl="0" rtl="0">
+              <a:spcBef>
+                <a:spcPts val="0"/>
+              </a:spcBef>
+              <a:buNone/>
+            </a:pPr>
+            <a:r>
+              <a:rPr lang="en-US" altLang="zh-TW" sz="2400" b="1" dirty="0" smtClean="0">
+                <a:solidFill>
+                  <a:srgbClr val="006666"/>
+                </a:solidFill>
+                <a:effectLst>
+                  <a:outerShdw blurRad="38100" dist="38100" dir="2700000" algn="tl">
+                    <a:srgbClr val="000000">
+                      <a:alpha val="43137"/>
+                    </a:srgbClr>
+                  </a:outerShdw>
+                </a:effectLst>
+                <a:latin typeface="微軟正黑體" pitchFamily="34" charset="-120"/>
+                <a:ea typeface="微軟正黑體" pitchFamily="34" charset="-120"/>
+                <a:cs typeface="Microsoft JhengHei"/>
+                <a:sym typeface="Microsoft JhengHei"/>
+              </a:rPr>
+              <a:t>7.  </a:t>
+            </a:r>
+            <a:r>
+              <a:rPr lang="en-US" altLang="zh-TW" sz="2400" b="1" dirty="0" err="1" smtClean="0">
+                <a:solidFill>
+                  <a:srgbClr val="006666"/>
+                </a:solidFill>
+                <a:effectLst>
+                  <a:outerShdw blurRad="38100" dist="38100" dir="2700000" algn="tl">
+                    <a:srgbClr val="000000">
+                      <a:alpha val="43137"/>
+                    </a:srgbClr>
+                  </a:outerShdw>
+                </a:effectLst>
+                <a:latin typeface="微軟正黑體" pitchFamily="34" charset="-120"/>
+                <a:ea typeface="微軟正黑體" pitchFamily="34" charset="-120"/>
+                <a:cs typeface="Microsoft JhengHei"/>
+                <a:sym typeface="Microsoft JhengHei"/>
+              </a:rPr>
+              <a:t>Layui</a:t>
+            </a:r>
+            <a:r>
+              <a:rPr lang="zh-TW" altLang="en-US" sz="2400" b="1" dirty="0" smtClean="0">
+                <a:solidFill>
+                  <a:srgbClr val="006666"/>
+                </a:solidFill>
+                <a:effectLst>
+                  <a:outerShdw blurRad="38100" dist="38100" dir="2700000" algn="tl">
+                    <a:srgbClr val="000000">
+                      <a:alpha val="43137"/>
+                    </a:srgbClr>
+                  </a:outerShdw>
+                </a:effectLst>
+                <a:latin typeface="微軟正黑體" pitchFamily="34" charset="-120"/>
+                <a:ea typeface="微軟正黑體" pitchFamily="34" charset="-120"/>
+                <a:cs typeface="Microsoft JhengHei"/>
+                <a:sym typeface="Microsoft JhengHei"/>
+              </a:rPr>
+              <a:t> 框架</a:t>
+            </a:r>
+            <a:endParaRPr lang="en-US" altLang="zh-TW" sz="2400" b="1" dirty="0" smtClean="0">
+              <a:solidFill>
+                <a:srgbClr val="006666"/>
+              </a:solidFill>
+              <a:effectLst>
+                <a:outerShdw blurRad="38100" dist="38100" dir="2700000" algn="tl">
+                  <a:srgbClr val="000000">
+                    <a:alpha val="43137"/>
+                  </a:srgbClr>
+                </a:outerShdw>
+              </a:effectLst>
+              <a:latin typeface="微軟正黑體" pitchFamily="34" charset="-120"/>
+              <a:ea typeface="微軟正黑體" pitchFamily="34" charset="-120"/>
+              <a:cs typeface="Microsoft JhengHei"/>
+              <a:sym typeface="Microsoft JhengHei"/>
+            </a:endParaRPr>
           </a:p>
         </p:txBody>
       </p:sp>
